--- a/Диплом ver-0.5.pptx
+++ b/Диплом ver-0.5.pptx
@@ -4342,7 +4342,12 @@
             <p:ph type="title"/>
           </p:nvPr>
         </p:nvSpPr>
-        <p:spPr/>
+        <p:spPr>
+          <a:xfrm>
+            <a:off x="838200" y="2875242"/>
+            <a:ext cx="10515600" cy="773393"/>
+          </a:xfrm>
+        </p:spPr>
         <p:txBody>
           <a:bodyPr>
             <a:normAutofit/>
@@ -4356,19 +4361,6 @@
                 <a:cs typeface="Times New Roman" panose="02020603050405020304" pitchFamily="18" charset="0"/>
               </a:rPr>
               <a:t>Спасибо за внимание! </a:t>
-            </a:r>
-            <a:br>
-              <a:rPr lang="ru-RU" sz="3200" b="1" dirty="0">
-                <a:latin typeface="Times New Roman" panose="02020603050405020304" pitchFamily="18" charset="0"/>
-                <a:cs typeface="Times New Roman" panose="02020603050405020304" pitchFamily="18" charset="0"/>
-              </a:rPr>
-            </a:br>
-            <a:r>
-              <a:rPr lang="ru-RU" sz="3200" b="1" dirty="0">
-                <a:latin typeface="Times New Roman" panose="02020603050405020304" pitchFamily="18" charset="0"/>
-                <a:cs typeface="Times New Roman" panose="02020603050405020304" pitchFamily="18" charset="0"/>
-              </a:rPr>
-              <a:t>Готов ответить на ваши вопросы.</a:t>
             </a:r>
           </a:p>
         </p:txBody>
